--- a/docs/report/Smart-Kitchen-Helper Project.pptx
+++ b/docs/report/Smart-Kitchen-Helper Project.pptx
@@ -120,14 +120,6 @@
     </p:ext>
   </p:extLst>
 </p:presentation>
-</file>
-
-<file path=ppt/revisionInfo.xml><?xml version="1.0" encoding="utf-8"?>
-<p1510:revInfo xmlns:a="http://schemas.openxmlformats.org/drawingml/2006/main" xmlns:r="http://schemas.openxmlformats.org/officeDocument/2006/relationships" xmlns:p1510="http://schemas.microsoft.com/office/powerpoint/2015/10/main">
-  <p1510:revLst>
-    <p1510:client id="{D001C66A-733C-50E9-C481-BA5792C5C6C2}" v="86" dt="2024-08-07T02:49:46.609"/>
-  </p1510:revLst>
-</p1510:revInfo>
 </file>
 
 <file path=ppt/changesInfos/changesInfo1.xml><?xml version="1.0" encoding="utf-8"?>
@@ -12837,7 +12829,7 @@
           <a:p>
             <a:fld id="{AAB887FD-896B-40A1-8D74-0F5AF6DEAB7A}" type="datetimeFigureOut">
               <a:rPr lang="en-CA" smtClean="0"/>
-              <a:t>2024-08-06</a:t>
+              <a:t>2024-08-15</a:t>
             </a:fld>
             <a:endParaRPr lang="en-CA"/>
           </a:p>
@@ -13037,7 +13029,7 @@
           <a:p>
             <a:fld id="{AAB887FD-896B-40A1-8D74-0F5AF6DEAB7A}" type="datetimeFigureOut">
               <a:rPr lang="en-CA" smtClean="0"/>
-              <a:t>2024-08-06</a:t>
+              <a:t>2024-08-15</a:t>
             </a:fld>
             <a:endParaRPr lang="en-CA"/>
           </a:p>
@@ -13247,7 +13239,7 @@
           <a:p>
             <a:fld id="{AAB887FD-896B-40A1-8D74-0F5AF6DEAB7A}" type="datetimeFigureOut">
               <a:rPr lang="en-CA" smtClean="0"/>
-              <a:t>2024-08-06</a:t>
+              <a:t>2024-08-15</a:t>
             </a:fld>
             <a:endParaRPr lang="en-CA"/>
           </a:p>
@@ -13447,7 +13439,7 @@
           <a:p>
             <a:fld id="{AAB887FD-896B-40A1-8D74-0F5AF6DEAB7A}" type="datetimeFigureOut">
               <a:rPr lang="en-CA" smtClean="0"/>
-              <a:t>2024-08-06</a:t>
+              <a:t>2024-08-15</a:t>
             </a:fld>
             <a:endParaRPr lang="en-CA"/>
           </a:p>
@@ -13647,7 +13639,7 @@
           <a:p>
             <a:fld id="{AAB887FD-896B-40A1-8D74-0F5AF6DEAB7A}" type="datetimeFigureOut">
               <a:rPr lang="en-CA" smtClean="0"/>
-              <a:t>2024-08-06</a:t>
+              <a:t>2024-08-15</a:t>
             </a:fld>
             <a:endParaRPr lang="en-CA"/>
           </a:p>
@@ -13923,7 +13915,7 @@
           <a:p>
             <a:fld id="{AAB887FD-896B-40A1-8D74-0F5AF6DEAB7A}" type="datetimeFigureOut">
               <a:rPr lang="en-CA" smtClean="0"/>
-              <a:t>2024-08-06</a:t>
+              <a:t>2024-08-15</a:t>
             </a:fld>
             <a:endParaRPr lang="en-CA"/>
           </a:p>
@@ -14191,7 +14183,7 @@
           <a:p>
             <a:fld id="{AAB887FD-896B-40A1-8D74-0F5AF6DEAB7A}" type="datetimeFigureOut">
               <a:rPr lang="en-CA" smtClean="0"/>
-              <a:t>2024-08-06</a:t>
+              <a:t>2024-08-15</a:t>
             </a:fld>
             <a:endParaRPr lang="en-CA"/>
           </a:p>
@@ -14606,7 +14598,7 @@
           <a:p>
             <a:fld id="{AAB887FD-896B-40A1-8D74-0F5AF6DEAB7A}" type="datetimeFigureOut">
               <a:rPr lang="en-CA" smtClean="0"/>
-              <a:t>2024-08-06</a:t>
+              <a:t>2024-08-15</a:t>
             </a:fld>
             <a:endParaRPr lang="en-CA"/>
           </a:p>
@@ -14748,7 +14740,7 @@
           <a:p>
             <a:fld id="{AAB887FD-896B-40A1-8D74-0F5AF6DEAB7A}" type="datetimeFigureOut">
               <a:rPr lang="en-CA" smtClean="0"/>
-              <a:t>2024-08-06</a:t>
+              <a:t>2024-08-15</a:t>
             </a:fld>
             <a:endParaRPr lang="en-CA"/>
           </a:p>
@@ -14861,7 +14853,7 @@
           <a:p>
             <a:fld id="{AAB887FD-896B-40A1-8D74-0F5AF6DEAB7A}" type="datetimeFigureOut">
               <a:rPr lang="en-CA" smtClean="0"/>
-              <a:t>2024-08-06</a:t>
+              <a:t>2024-08-15</a:t>
             </a:fld>
             <a:endParaRPr lang="en-CA"/>
           </a:p>
@@ -15174,7 +15166,7 @@
           <a:p>
             <a:fld id="{AAB887FD-896B-40A1-8D74-0F5AF6DEAB7A}" type="datetimeFigureOut">
               <a:rPr lang="en-CA" smtClean="0"/>
-              <a:t>2024-08-06</a:t>
+              <a:t>2024-08-15</a:t>
             </a:fld>
             <a:endParaRPr lang="en-CA"/>
           </a:p>
@@ -15463,7 +15455,7 @@
           <a:p>
             <a:fld id="{AAB887FD-896B-40A1-8D74-0F5AF6DEAB7A}" type="datetimeFigureOut">
               <a:rPr lang="en-CA" smtClean="0"/>
-              <a:t>2024-08-06</a:t>
+              <a:t>2024-08-15</a:t>
             </a:fld>
             <a:endParaRPr lang="en-CA"/>
           </a:p>
@@ -15706,7 +15698,7 @@
           <a:p>
             <a:fld id="{AAB887FD-896B-40A1-8D74-0F5AF6DEAB7A}" type="datetimeFigureOut">
               <a:rPr lang="en-CA" smtClean="0"/>
-              <a:t>2024-08-06</a:t>
+              <a:t>2024-08-15</a:t>
             </a:fld>
             <a:endParaRPr lang="en-CA"/>
           </a:p>
